--- a/Assignment8/Semi-Structured-Data-Using-JSON-in-PostgreSQL.pptx
+++ b/Assignment8/Semi-Structured-Data-Using-JSON-in-PostgreSQL.pptx
@@ -5,7 +5,7 @@
     <p:sldMasterId id="2147483648" r:id="rId1"/>
   </p:sldMasterIdLst>
   <p:notesMasterIdLst>
-    <p:notesMasterId r:id="rId11"/>
+    <p:notesMasterId r:id="rId12"/>
   </p:notesMasterIdLst>
   <p:sldIdLst>
     <p:sldId id="256" r:id="rId2"/>
@@ -17,23 +17,24 @@
     <p:sldId id="263" r:id="rId8"/>
     <p:sldId id="265" r:id="rId9"/>
     <p:sldId id="266" r:id="rId10"/>
+    <p:sldId id="267" r:id="rId11"/>
   </p:sldIdLst>
   <p:sldSz cx="14630400" cy="8229600"/>
   <p:notesSz cx="8229600" cy="14630400"/>
   <p:embeddedFontLst>
     <p:embeddedFont>
       <p:font typeface="Consolas" panose="020B0609020204030204" pitchFamily="49" charset="0"/>
-      <p:regular r:id="rId12"/>
-      <p:bold r:id="rId13"/>
-      <p:italic r:id="rId14"/>
-      <p:boldItalic r:id="rId15"/>
+      <p:regular r:id="rId13"/>
+      <p:bold r:id="rId14"/>
+      <p:italic r:id="rId15"/>
+      <p:boldItalic r:id="rId16"/>
     </p:embeddedFont>
     <p:embeddedFont>
       <p:font typeface="Open Sans" panose="020B0606030504020204" pitchFamily="34" charset="0"/>
-      <p:regular r:id="rId16"/>
-      <p:bold r:id="rId17"/>
-      <p:italic r:id="rId18"/>
-      <p:boldItalic r:id="rId19"/>
+      <p:regular r:id="rId17"/>
+      <p:bold r:id="rId18"/>
+      <p:italic r:id="rId19"/>
+      <p:boldItalic r:id="rId20"/>
     </p:embeddedFont>
   </p:embeddedFontLst>
   <p:defaultTextStyle>
@@ -142,14 +143,209 @@
 <file path=ppt/revisionInfo.xml><?xml version="1.0" encoding="utf-8"?>
 <p1510:revInfo xmlns:a="http://schemas.openxmlformats.org/drawingml/2006/main" xmlns:r="http://schemas.openxmlformats.org/officeDocument/2006/relationships" xmlns:p1510="http://schemas.microsoft.com/office/powerpoint/2015/10/main">
   <p1510:revLst>
-    <p1510:client id="{48C43381-790B-6A7C-F4B4-03682A48AAD3}" v="207" dt="2025-02-05T10:37:50.131"/>
-    <p1510:client id="{FE2467A5-BACC-09DE-6138-9C731A5168B1}" v="42" dt="2025-02-05T11:30:45.612"/>
+    <p1510:client id="{C72FA983-C750-1114-2A03-86FA9D298644}" v="14" dt="2025-02-11T10:22:01.919"/>
   </p1510:revLst>
 </p1510:revInfo>
 </file>
 
 <file path=ppt/changesInfos/changesInfo1.xml><?xml version="1.0" encoding="utf-8"?>
 <pc:chgInfo xmlns:a="http://schemas.openxmlformats.org/drawingml/2006/main" xmlns:r="http://schemas.openxmlformats.org/officeDocument/2006/relationships" xmlns:ac="http://schemas.microsoft.com/office/drawing/2013/main/command" xmlns:pc="http://schemas.microsoft.com/office/powerpoint/2013/main/command">
+  <pc:docChgLst>
+    <pc:chgData name="Parth Masal" userId="S::parth.masal@wissen.com::3dbe67e5-3e26-4464-9aca-429f2b88f6b3" providerId="AD" clId="Web-{C72FA983-C750-1114-2A03-86FA9D298644}"/>
+    <pc:docChg chg="addSld modSld">
+      <pc:chgData name="Parth Masal" userId="S::parth.masal@wissen.com::3dbe67e5-3e26-4464-9aca-429f2b88f6b3" providerId="AD" clId="Web-{C72FA983-C750-1114-2A03-86FA9D298644}" dt="2025-02-11T10:22:01.919" v="19"/>
+      <pc:docMkLst>
+        <pc:docMk/>
+      </pc:docMkLst>
+      <pc:sldChg chg="addSp delSp">
+        <pc:chgData name="Parth Masal" userId="S::parth.masal@wissen.com::3dbe67e5-3e26-4464-9aca-429f2b88f6b3" providerId="AD" clId="Web-{C72FA983-C750-1114-2A03-86FA9D298644}" dt="2025-02-11T10:22:01.919" v="19"/>
+        <pc:sldMkLst>
+          <pc:docMk/>
+          <pc:sldMk cId="0" sldId="256"/>
+        </pc:sldMkLst>
+        <pc:picChg chg="add del">
+          <ac:chgData name="Parth Masal" userId="S::parth.masal@wissen.com::3dbe67e5-3e26-4464-9aca-429f2b88f6b3" providerId="AD" clId="Web-{C72FA983-C750-1114-2A03-86FA9D298644}" dt="2025-02-11T10:22:01.919" v="19"/>
+          <ac:picMkLst>
+            <pc:docMk/>
+            <pc:sldMk cId="0" sldId="256"/>
+            <ac:picMk id="2" creationId="{00000000-0000-0000-0000-000000000000}"/>
+          </ac:picMkLst>
+        </pc:picChg>
+      </pc:sldChg>
+      <pc:sldChg chg="modSp">
+        <pc:chgData name="Parth Masal" userId="S::parth.masal@wissen.com::3dbe67e5-3e26-4464-9aca-429f2b88f6b3" providerId="AD" clId="Web-{C72FA983-C750-1114-2A03-86FA9D298644}" dt="2025-02-11T10:12:46.757" v="1" actId="14100"/>
+        <pc:sldMkLst>
+          <pc:docMk/>
+          <pc:sldMk cId="0" sldId="257"/>
+        </pc:sldMkLst>
+        <pc:spChg chg="mod">
+          <ac:chgData name="Parth Masal" userId="S::parth.masal@wissen.com::3dbe67e5-3e26-4464-9aca-429f2b88f6b3" providerId="AD" clId="Web-{C72FA983-C750-1114-2A03-86FA9D298644}" dt="2025-02-11T10:12:46.757" v="1" actId="14100"/>
+          <ac:spMkLst>
+            <pc:docMk/>
+            <pc:sldMk cId="0" sldId="257"/>
+            <ac:spMk id="6" creationId="{00000000-0000-0000-0000-000000000000}"/>
+          </ac:spMkLst>
+        </pc:spChg>
+      </pc:sldChg>
+      <pc:sldChg chg="modSp">
+        <pc:chgData name="Parth Masal" userId="S::parth.masal@wissen.com::3dbe67e5-3e26-4464-9aca-429f2b88f6b3" providerId="AD" clId="Web-{C72FA983-C750-1114-2A03-86FA9D298644}" dt="2025-02-11T10:16:42.275" v="6" actId="1076"/>
+        <pc:sldMkLst>
+          <pc:docMk/>
+          <pc:sldMk cId="0" sldId="258"/>
+        </pc:sldMkLst>
+        <pc:spChg chg="mod">
+          <ac:chgData name="Parth Masal" userId="S::parth.masal@wissen.com::3dbe67e5-3e26-4464-9aca-429f2b88f6b3" providerId="AD" clId="Web-{C72FA983-C750-1114-2A03-86FA9D298644}" dt="2025-02-11T10:16:29.697" v="5" actId="1076"/>
+          <ac:spMkLst>
+            <pc:docMk/>
+            <pc:sldMk cId="0" sldId="258"/>
+            <ac:spMk id="12" creationId="{00000000-0000-0000-0000-000000000000}"/>
+          </ac:spMkLst>
+        </pc:spChg>
+        <pc:spChg chg="mod">
+          <ac:chgData name="Parth Masal" userId="S::parth.masal@wissen.com::3dbe67e5-3e26-4464-9aca-429f2b88f6b3" providerId="AD" clId="Web-{C72FA983-C750-1114-2A03-86FA9D298644}" dt="2025-02-11T10:16:42.275" v="6" actId="1076"/>
+          <ac:spMkLst>
+            <pc:docMk/>
+            <pc:sldMk cId="0" sldId="258"/>
+            <ac:spMk id="16" creationId="{33B53D6B-CA7B-BA3F-CDBA-1408308FF88F}"/>
+          </ac:spMkLst>
+        </pc:spChg>
+      </pc:sldChg>
+      <pc:sldChg chg="delSp modSp">
+        <pc:chgData name="Parth Masal" userId="S::parth.masal@wissen.com::3dbe67e5-3e26-4464-9aca-429f2b88f6b3" providerId="AD" clId="Web-{C72FA983-C750-1114-2A03-86FA9D298644}" dt="2025-02-11T10:21:40.279" v="17"/>
+        <pc:sldMkLst>
+          <pc:docMk/>
+          <pc:sldMk cId="0" sldId="266"/>
+        </pc:sldMkLst>
+        <pc:spChg chg="del mod">
+          <ac:chgData name="Parth Masal" userId="S::parth.masal@wissen.com::3dbe67e5-3e26-4464-9aca-429f2b88f6b3" providerId="AD" clId="Web-{C72FA983-C750-1114-2A03-86FA9D298644}" dt="2025-02-11T10:21:40.279" v="17"/>
+          <ac:spMkLst>
+            <pc:docMk/>
+            <pc:sldMk cId="0" sldId="266"/>
+            <ac:spMk id="10" creationId="{03AD397E-F437-3660-F965-7E51DCB05384}"/>
+          </ac:spMkLst>
+        </pc:spChg>
+        <pc:picChg chg="del">
+          <ac:chgData name="Parth Masal" userId="S::parth.masal@wissen.com::3dbe67e5-3e26-4464-9aca-429f2b88f6b3" providerId="AD" clId="Web-{C72FA983-C750-1114-2A03-86FA9D298644}" dt="2025-02-11T10:21:00.247" v="7"/>
+          <ac:picMkLst>
+            <pc:docMk/>
+            <pc:sldMk cId="0" sldId="266"/>
+            <ac:picMk id="9" creationId="{2C971398-109C-5987-5CC4-E26C49176C2B}"/>
+          </ac:picMkLst>
+        </pc:picChg>
+      </pc:sldChg>
+      <pc:sldChg chg="addSp delSp modSp new mod setBg">
+        <pc:chgData name="Parth Masal" userId="S::parth.masal@wissen.com::3dbe67e5-3e26-4464-9aca-429f2b88f6b3" providerId="AD" clId="Web-{C72FA983-C750-1114-2A03-86FA9D298644}" dt="2025-02-11T10:21:25.591" v="16"/>
+        <pc:sldMkLst>
+          <pc:docMk/>
+          <pc:sldMk cId="575995219" sldId="267"/>
+        </pc:sldMkLst>
+        <pc:spChg chg="add del">
+          <ac:chgData name="Parth Masal" userId="S::parth.masal@wissen.com::3dbe67e5-3e26-4464-9aca-429f2b88f6b3" providerId="AD" clId="Web-{C72FA983-C750-1114-2A03-86FA9D298644}" dt="2025-02-11T10:21:23.263" v="13"/>
+          <ac:spMkLst>
+            <pc:docMk/>
+            <pc:sldMk cId="575995219" sldId="267"/>
+            <ac:spMk id="7" creationId="{AB8C311F-7253-4AED-9701-7FC0708C41C7}"/>
+          </ac:spMkLst>
+        </pc:spChg>
+        <pc:spChg chg="add del">
+          <ac:chgData name="Parth Masal" userId="S::parth.masal@wissen.com::3dbe67e5-3e26-4464-9aca-429f2b88f6b3" providerId="AD" clId="Web-{C72FA983-C750-1114-2A03-86FA9D298644}" dt="2025-02-11T10:21:23.263" v="13"/>
+          <ac:spMkLst>
+            <pc:docMk/>
+            <pc:sldMk cId="575995219" sldId="267"/>
+            <ac:spMk id="9" creationId="{E2384209-CB15-4CDF-9D31-C44FD9A3F20D}"/>
+          </ac:spMkLst>
+        </pc:spChg>
+        <pc:spChg chg="add del">
+          <ac:chgData name="Parth Masal" userId="S::parth.masal@wissen.com::3dbe67e5-3e26-4464-9aca-429f2b88f6b3" providerId="AD" clId="Web-{C72FA983-C750-1114-2A03-86FA9D298644}" dt="2025-02-11T10:21:23.263" v="13"/>
+          <ac:spMkLst>
+            <pc:docMk/>
+            <pc:sldMk cId="575995219" sldId="267"/>
+            <ac:spMk id="11" creationId="{2633B3B5-CC90-43F0-8714-D31D1F3F0209}"/>
+          </ac:spMkLst>
+        </pc:spChg>
+        <pc:spChg chg="add del">
+          <ac:chgData name="Parth Masal" userId="S::parth.masal@wissen.com::3dbe67e5-3e26-4464-9aca-429f2b88f6b3" providerId="AD" clId="Web-{C72FA983-C750-1114-2A03-86FA9D298644}" dt="2025-02-11T10:21:23.263" v="13"/>
+          <ac:spMkLst>
+            <pc:docMk/>
+            <pc:sldMk cId="575995219" sldId="267"/>
+            <ac:spMk id="13" creationId="{A8D57A06-A426-446D-B02C-A2DC6B62E45E}"/>
+          </ac:spMkLst>
+        </pc:spChg>
+        <pc:spChg chg="add del">
+          <ac:chgData name="Parth Masal" userId="S::parth.masal@wissen.com::3dbe67e5-3e26-4464-9aca-429f2b88f6b3" providerId="AD" clId="Web-{C72FA983-C750-1114-2A03-86FA9D298644}" dt="2025-02-11T10:21:25.575" v="15"/>
+          <ac:spMkLst>
+            <pc:docMk/>
+            <pc:sldMk cId="575995219" sldId="267"/>
+            <ac:spMk id="15" creationId="{42A4FC2C-047E-45A5-965D-8E1E3BF09BC6}"/>
+          </ac:spMkLst>
+        </pc:spChg>
+        <pc:spChg chg="add">
+          <ac:chgData name="Parth Masal" userId="S::parth.masal@wissen.com::3dbe67e5-3e26-4464-9aca-429f2b88f6b3" providerId="AD" clId="Web-{C72FA983-C750-1114-2A03-86FA9D298644}" dt="2025-02-11T10:21:25.591" v="16"/>
+          <ac:spMkLst>
+            <pc:docMk/>
+            <pc:sldMk cId="575995219" sldId="267"/>
+            <ac:spMk id="17" creationId="{FF9F2414-84E8-453E-B1F3-389FDE8192D9}"/>
+          </ac:spMkLst>
+        </pc:spChg>
+        <pc:spChg chg="add">
+          <ac:chgData name="Parth Masal" userId="S::parth.masal@wissen.com::3dbe67e5-3e26-4464-9aca-429f2b88f6b3" providerId="AD" clId="Web-{C72FA983-C750-1114-2A03-86FA9D298644}" dt="2025-02-11T10:21:25.591" v="16"/>
+          <ac:spMkLst>
+            <pc:docMk/>
+            <pc:sldMk cId="575995219" sldId="267"/>
+            <ac:spMk id="18" creationId="{F3060C83-F051-4F0E-ABAD-AA0DFC48B218}"/>
+          </ac:spMkLst>
+        </pc:spChg>
+        <pc:spChg chg="add">
+          <ac:chgData name="Parth Masal" userId="S::parth.masal@wissen.com::3dbe67e5-3e26-4464-9aca-429f2b88f6b3" providerId="AD" clId="Web-{C72FA983-C750-1114-2A03-86FA9D298644}" dt="2025-02-11T10:21:25.591" v="16"/>
+          <ac:spMkLst>
+            <pc:docMk/>
+            <pc:sldMk cId="575995219" sldId="267"/>
+            <ac:spMk id="19" creationId="{3ECA69A1-7536-43AC-85EF-C7106179F5ED}"/>
+          </ac:spMkLst>
+        </pc:spChg>
+        <pc:spChg chg="add">
+          <ac:chgData name="Parth Masal" userId="S::parth.masal@wissen.com::3dbe67e5-3e26-4464-9aca-429f2b88f6b3" providerId="AD" clId="Web-{C72FA983-C750-1114-2A03-86FA9D298644}" dt="2025-02-11T10:21:25.591" v="16"/>
+          <ac:spMkLst>
+            <pc:docMk/>
+            <pc:sldMk cId="575995219" sldId="267"/>
+            <ac:spMk id="20" creationId="{83C98ABE-055B-441F-B07E-44F97F083C39}"/>
+          </ac:spMkLst>
+        </pc:spChg>
+        <pc:spChg chg="add">
+          <ac:chgData name="Parth Masal" userId="S::parth.masal@wissen.com::3dbe67e5-3e26-4464-9aca-429f2b88f6b3" providerId="AD" clId="Web-{C72FA983-C750-1114-2A03-86FA9D298644}" dt="2025-02-11T10:21:25.591" v="16"/>
+          <ac:spMkLst>
+            <pc:docMk/>
+            <pc:sldMk cId="575995219" sldId="267"/>
+            <ac:spMk id="21" creationId="{29FDB030-9B49-4CED-8CCD-4D99382388AC}"/>
+          </ac:spMkLst>
+        </pc:spChg>
+        <pc:spChg chg="add">
+          <ac:chgData name="Parth Masal" userId="S::parth.masal@wissen.com::3dbe67e5-3e26-4464-9aca-429f2b88f6b3" providerId="AD" clId="Web-{C72FA983-C750-1114-2A03-86FA9D298644}" dt="2025-02-11T10:21:25.591" v="16"/>
+          <ac:spMkLst>
+            <pc:docMk/>
+            <pc:sldMk cId="575995219" sldId="267"/>
+            <ac:spMk id="22" creationId="{3783CA14-24A1-485C-8B30-D6A5D87987AD}"/>
+          </ac:spMkLst>
+        </pc:spChg>
+        <pc:spChg chg="add">
+          <ac:chgData name="Parth Masal" userId="S::parth.masal@wissen.com::3dbe67e5-3e26-4464-9aca-429f2b88f6b3" providerId="AD" clId="Web-{C72FA983-C750-1114-2A03-86FA9D298644}" dt="2025-02-11T10:21:25.591" v="16"/>
+          <ac:spMkLst>
+            <pc:docMk/>
+            <pc:sldMk cId="575995219" sldId="267"/>
+            <ac:spMk id="23" creationId="{9A97C86A-04D6-40F7-AE84-31AB43E6A846}"/>
+          </ac:spMkLst>
+        </pc:spChg>
+        <pc:picChg chg="add mod">
+          <ac:chgData name="Parth Masal" userId="S::parth.masal@wissen.com::3dbe67e5-3e26-4464-9aca-429f2b88f6b3" providerId="AD" clId="Web-{C72FA983-C750-1114-2A03-86FA9D298644}" dt="2025-02-11T10:21:25.591" v="16"/>
+          <ac:picMkLst>
+            <pc:docMk/>
+            <pc:sldMk cId="575995219" sldId="267"/>
+            <ac:picMk id="2" creationId="{46B0B597-0ECA-F8ED-D89E-3F145BF2E666}"/>
+          </ac:picMkLst>
+        </pc:picChg>
+      </pc:sldChg>
+    </pc:docChg>
+  </pc:docChgLst>
   <pc:docChgLst>
     <pc:chgData name="Parth Masal" userId="S::parth.masal@wissen.com::3dbe67e5-3e26-4464-9aca-429f2b88f6b3" providerId="AD" clId="Web-{48C43381-790B-6A7C-F4B4-03682A48AAD3}"/>
     <pc:docChg chg="delSld modSld">
@@ -734,7 +930,7 @@
           </a:lstStyle>
           <a:p>
             <a:fld id="{8FF3EBE5-6190-432E-A44B-9E35983D1EFB}" type="datetimeFigureOut">
-              <a:t>2/5/2025</a:t>
+              <a:t>2/11/2025</a:t>
             </a:fld>
             <a:endParaRPr lang="en-US"/>
           </a:p>
@@ -3411,6 +3607,626 @@
 </p:sld>
 </file>
 
+<file path=ppt/slides/slide10.xml><?xml version="1.0" encoding="utf-8"?>
+<p:sld xmlns:a="http://schemas.openxmlformats.org/drawingml/2006/main" xmlns:r="http://schemas.openxmlformats.org/officeDocument/2006/relationships" xmlns:p="http://schemas.openxmlformats.org/presentationml/2006/main">
+  <p:cSld>
+    <p:bg>
+      <p:bgPr>
+        <a:solidFill>
+          <a:schemeClr val="bg1"/>
+        </a:solidFill>
+        <a:effectLst/>
+      </p:bgPr>
+    </p:bg>
+    <p:spTree>
+      <p:nvGrpSpPr>
+        <p:cNvPr id="1" name=""/>
+        <p:cNvGrpSpPr/>
+        <p:nvPr/>
+      </p:nvGrpSpPr>
+      <p:grpSpPr>
+        <a:xfrm>
+          <a:off x="0" y="0"/>
+          <a:ext cx="0" cy="0"/>
+          <a:chOff x="0" y="0"/>
+          <a:chExt cx="0" cy="0"/>
+        </a:xfrm>
+      </p:grpSpPr>
+      <p:sp>
+        <p:nvSpPr>
+          <p:cNvPr id="18" name="Rectangle 17">
+            <a:extLst>
+              <a:ext uri="{FF2B5EF4-FFF2-40B4-BE49-F238E27FC236}">
+                <a16:creationId xmlns:a16="http://schemas.microsoft.com/office/drawing/2014/main" id="{F3060C83-F051-4F0E-ABAD-AA0DFC48B218}"/>
+              </a:ext>
+              <a:ext uri="{C183D7F6-B498-43B3-948B-1728B52AA6E4}">
+                <adec:decorative xmlns:adec="http://schemas.microsoft.com/office/drawing/2017/decorative" val="1"/>
+              </a:ext>
+            </a:extLst>
+          </p:cNvPr>
+          <p:cNvSpPr>
+            <a:spLocks noGrp="1" noRot="1" noChangeAspect="1" noMove="1" noResize="1" noEditPoints="1" noAdjustHandles="1" noChangeArrowheads="1" noChangeShapeType="1" noTextEdit="1"/>
+          </p:cNvSpPr>
+          <p:nvPr>
+            <p:extLst>
+              <p:ext uri="{386F3935-93C4-4BCD-93E2-E3B085C9AB24}">
+                <p16:designElem xmlns:p16="http://schemas.microsoft.com/office/powerpoint/2015/main" val="1"/>
+              </p:ext>
+            </p:extLst>
+          </p:nvPr>
+        </p:nvSpPr>
+        <p:spPr>
+          <a:xfrm>
+            <a:off x="0" y="0"/>
+            <a:ext cx="14630400" cy="8229600"/>
+          </a:xfrm>
+          <a:prstGeom prst="rect">
+            <a:avLst/>
+          </a:prstGeom>
+          <a:solidFill>
+            <a:schemeClr val="bg1"/>
+          </a:solidFill>
+          <a:ln>
+            <a:noFill/>
+          </a:ln>
+        </p:spPr>
+        <p:style>
+          <a:lnRef idx="2">
+            <a:schemeClr val="accent1">
+              <a:shade val="50000"/>
+            </a:schemeClr>
+          </a:lnRef>
+          <a:fillRef idx="1">
+            <a:schemeClr val="accent1"/>
+          </a:fillRef>
+          <a:effectRef idx="0">
+            <a:schemeClr val="accent1"/>
+          </a:effectRef>
+          <a:fontRef idx="minor">
+            <a:schemeClr val="lt1"/>
+          </a:fontRef>
+        </p:style>
+        <p:txBody>
+          <a:bodyPr rtlCol="0" anchor="ctr"/>
+          <a:lstStyle/>
+          <a:p>
+            <a:pPr algn="ctr"/>
+            <a:endParaRPr lang="en-US" dirty="0"/>
+          </a:p>
+        </p:txBody>
+      </p:sp>
+      <p:sp>
+        <p:nvSpPr>
+          <p:cNvPr id="20" name="Freeform: Shape 19">
+            <a:extLst>
+              <a:ext uri="{FF2B5EF4-FFF2-40B4-BE49-F238E27FC236}">
+                <a16:creationId xmlns:a16="http://schemas.microsoft.com/office/drawing/2014/main" id="{83C98ABE-055B-441F-B07E-44F97F083C39}"/>
+              </a:ext>
+              <a:ext uri="{C183D7F6-B498-43B3-948B-1728B52AA6E4}">
+                <adec:decorative xmlns:adec="http://schemas.microsoft.com/office/drawing/2017/decorative" val="1"/>
+              </a:ext>
+            </a:extLst>
+          </p:cNvPr>
+          <p:cNvSpPr>
+            <a:spLocks noGrp="1" noRot="1" noChangeAspect="1" noMove="1" noResize="1" noEditPoints="1" noAdjustHandles="1" noChangeArrowheads="1" noChangeShapeType="1" noTextEdit="1"/>
+          </p:cNvSpPr>
+          <p:nvPr>
+            <p:extLst>
+              <p:ext uri="{386F3935-93C4-4BCD-93E2-E3B085C9AB24}">
+                <p16:designElem xmlns:p16="http://schemas.microsoft.com/office/powerpoint/2015/main" val="1"/>
+              </p:ext>
+            </p:extLst>
+          </p:nvPr>
+        </p:nvSpPr>
+        <p:spPr>
+          <a:xfrm rot="18900000" flipH="1">
+            <a:off x="-451387" y="-304404"/>
+            <a:ext cx="2193165" cy="1652386"/>
+          </a:xfrm>
+          <a:custGeom>
+            <a:avLst/>
+            <a:gdLst>
+              <a:gd name="connsiteX0" fmla="*/ 0 w 1827638"/>
+              <a:gd name="connsiteY0" fmla="*/ 987379 h 1376989"/>
+              <a:gd name="connsiteX1" fmla="*/ 987379 w 1827638"/>
+              <a:gd name="connsiteY1" fmla="*/ 0 h 1376989"/>
+              <a:gd name="connsiteX2" fmla="*/ 1827638 w 1827638"/>
+              <a:gd name="connsiteY2" fmla="*/ 840260 h 1376989"/>
+              <a:gd name="connsiteX3" fmla="*/ 1827638 w 1827638"/>
+              <a:gd name="connsiteY3" fmla="*/ 1376989 h 1376989"/>
+              <a:gd name="connsiteX4" fmla="*/ 0 w 1827638"/>
+              <a:gd name="connsiteY4" fmla="*/ 1376989 h 1376989"/>
+            </a:gdLst>
+            <a:ahLst/>
+            <a:cxnLst>
+              <a:cxn ang="0">
+                <a:pos x="connsiteX0" y="connsiteY0"/>
+              </a:cxn>
+              <a:cxn ang="0">
+                <a:pos x="connsiteX1" y="connsiteY1"/>
+              </a:cxn>
+              <a:cxn ang="0">
+                <a:pos x="connsiteX2" y="connsiteY2"/>
+              </a:cxn>
+              <a:cxn ang="0">
+                <a:pos x="connsiteX3" y="connsiteY3"/>
+              </a:cxn>
+              <a:cxn ang="0">
+                <a:pos x="connsiteX4" y="connsiteY4"/>
+              </a:cxn>
+            </a:cxnLst>
+            <a:rect l="l" t="t" r="r" b="b"/>
+            <a:pathLst>
+              <a:path w="1827638" h="1376989">
+                <a:moveTo>
+                  <a:pt x="0" y="987379"/>
+                </a:moveTo>
+                <a:lnTo>
+                  <a:pt x="987379" y="0"/>
+                </a:lnTo>
+                <a:lnTo>
+                  <a:pt x="1827638" y="840260"/>
+                </a:lnTo>
+                <a:lnTo>
+                  <a:pt x="1827638" y="1376989"/>
+                </a:lnTo>
+                <a:lnTo>
+                  <a:pt x="0" y="1376989"/>
+                </a:lnTo>
+                <a:close/>
+              </a:path>
+            </a:pathLst>
+          </a:custGeom>
+          <a:solidFill>
+            <a:schemeClr val="accent1">
+              <a:alpha val="30000"/>
+            </a:schemeClr>
+          </a:solidFill>
+          <a:ln>
+            <a:noFill/>
+          </a:ln>
+        </p:spPr>
+        <p:style>
+          <a:lnRef idx="2">
+            <a:schemeClr val="accent1">
+              <a:shade val="50000"/>
+            </a:schemeClr>
+          </a:lnRef>
+          <a:fillRef idx="1">
+            <a:schemeClr val="accent1"/>
+          </a:fillRef>
+          <a:effectRef idx="0">
+            <a:schemeClr val="accent1"/>
+          </a:effectRef>
+          <a:fontRef idx="minor">
+            <a:schemeClr val="lt1"/>
+          </a:fontRef>
+        </p:style>
+        <p:txBody>
+          <a:bodyPr rtlCol="0" anchor="ctr"/>
+          <a:lstStyle/>
+          <a:p>
+            <a:pPr algn="ctr"/>
+            <a:endParaRPr lang="en-US" dirty="0"/>
+          </a:p>
+        </p:txBody>
+      </p:sp>
+      <p:sp>
+        <p:nvSpPr>
+          <p:cNvPr id="21" name="Rectangle 20">
+            <a:extLst>
+              <a:ext uri="{FF2B5EF4-FFF2-40B4-BE49-F238E27FC236}">
+                <a16:creationId xmlns:a16="http://schemas.microsoft.com/office/drawing/2014/main" id="{29FDB030-9B49-4CED-8CCD-4D99382388AC}"/>
+              </a:ext>
+              <a:ext uri="{C183D7F6-B498-43B3-948B-1728B52AA6E4}">
+                <adec:decorative xmlns:adec="http://schemas.microsoft.com/office/drawing/2017/decorative" val="1"/>
+              </a:ext>
+            </a:extLst>
+          </p:cNvPr>
+          <p:cNvSpPr>
+            <a:spLocks noGrp="1" noRot="1" noChangeAspect="1" noMove="1" noResize="1" noEditPoints="1" noAdjustHandles="1" noChangeArrowheads="1" noChangeShapeType="1" noTextEdit="1"/>
+          </p:cNvSpPr>
+          <p:nvPr>
+            <p:extLst>
+              <p:ext uri="{386F3935-93C4-4BCD-93E2-E3B085C9AB24}">
+                <p16:designElem xmlns:p16="http://schemas.microsoft.com/office/powerpoint/2015/main" val="1"/>
+              </p:ext>
+            </p:extLst>
+          </p:nvPr>
+        </p:nvSpPr>
+        <p:spPr>
+          <a:xfrm rot="18900000" flipH="1">
+            <a:off x="1069969" y="506575"/>
+            <a:ext cx="774441" cy="774441"/>
+          </a:xfrm>
+          <a:prstGeom prst="rect">
+            <a:avLst/>
+          </a:prstGeom>
+          <a:solidFill>
+            <a:schemeClr val="accent1">
+              <a:alpha val="30000"/>
+            </a:schemeClr>
+          </a:solidFill>
+          <a:ln>
+            <a:noFill/>
+          </a:ln>
+        </p:spPr>
+        <p:style>
+          <a:lnRef idx="2">
+            <a:schemeClr val="accent1">
+              <a:shade val="50000"/>
+            </a:schemeClr>
+          </a:lnRef>
+          <a:fillRef idx="1">
+            <a:schemeClr val="accent1"/>
+          </a:fillRef>
+          <a:effectRef idx="0">
+            <a:schemeClr val="accent1"/>
+          </a:effectRef>
+          <a:fontRef idx="minor">
+            <a:schemeClr val="lt1"/>
+          </a:fontRef>
+        </p:style>
+        <p:txBody>
+          <a:bodyPr rtlCol="0" anchor="ctr"/>
+          <a:lstStyle/>
+          <a:p>
+            <a:pPr algn="ctr"/>
+            <a:endParaRPr lang="en-US"/>
+          </a:p>
+        </p:txBody>
+      </p:sp>
+      <p:sp>
+        <p:nvSpPr>
+          <p:cNvPr id="22" name="Rectangle 21">
+            <a:extLst>
+              <a:ext uri="{FF2B5EF4-FFF2-40B4-BE49-F238E27FC236}">
+                <a16:creationId xmlns:a16="http://schemas.microsoft.com/office/drawing/2014/main" id="{3783CA14-24A1-485C-8B30-D6A5D87987AD}"/>
+              </a:ext>
+              <a:ext uri="{C183D7F6-B498-43B3-948B-1728B52AA6E4}">
+                <adec:decorative xmlns:adec="http://schemas.microsoft.com/office/drawing/2017/decorative" val="1"/>
+              </a:ext>
+            </a:extLst>
+          </p:cNvPr>
+          <p:cNvSpPr>
+            <a:spLocks noGrp="1" noRot="1" noChangeAspect="1" noMove="1" noResize="1" noEditPoints="1" noAdjustHandles="1" noChangeArrowheads="1" noChangeShapeType="1" noTextEdit="1"/>
+          </p:cNvSpPr>
+          <p:nvPr>
+            <p:extLst>
+              <p:ext uri="{386F3935-93C4-4BCD-93E2-E3B085C9AB24}">
+                <p16:designElem xmlns:p16="http://schemas.microsoft.com/office/powerpoint/2015/main" val="1"/>
+              </p:ext>
+            </p:extLst>
+          </p:nvPr>
+        </p:nvSpPr>
+        <p:spPr>
+          <a:xfrm rot="18900000" flipH="1">
+            <a:off x="12052178" y="786168"/>
+            <a:ext cx="824966" cy="824966"/>
+          </a:xfrm>
+          <a:prstGeom prst="rect">
+            <a:avLst/>
+          </a:prstGeom>
+          <a:solidFill>
+            <a:schemeClr val="accent4">
+              <a:alpha val="30000"/>
+            </a:schemeClr>
+          </a:solidFill>
+          <a:ln>
+            <a:noFill/>
+          </a:ln>
+        </p:spPr>
+        <p:style>
+          <a:lnRef idx="2">
+            <a:schemeClr val="accent1">
+              <a:shade val="50000"/>
+            </a:schemeClr>
+          </a:lnRef>
+          <a:fillRef idx="1">
+            <a:schemeClr val="accent1"/>
+          </a:fillRef>
+          <a:effectRef idx="0">
+            <a:schemeClr val="accent1"/>
+          </a:effectRef>
+          <a:fontRef idx="minor">
+            <a:schemeClr val="lt1"/>
+          </a:fontRef>
+        </p:style>
+        <p:txBody>
+          <a:bodyPr rtlCol="0" anchor="ctr"/>
+          <a:lstStyle/>
+          <a:p>
+            <a:pPr algn="ctr"/>
+            <a:endParaRPr lang="en-US"/>
+          </a:p>
+        </p:txBody>
+      </p:sp>
+      <p:sp>
+        <p:nvSpPr>
+          <p:cNvPr id="23" name="Freeform: Shape 22">
+            <a:extLst>
+              <a:ext uri="{FF2B5EF4-FFF2-40B4-BE49-F238E27FC236}">
+                <a16:creationId xmlns:a16="http://schemas.microsoft.com/office/drawing/2014/main" id="{9A97C86A-04D6-40F7-AE84-31AB43E6A846}"/>
+              </a:ext>
+              <a:ext uri="{C183D7F6-B498-43B3-948B-1728B52AA6E4}">
+                <adec:decorative xmlns:adec="http://schemas.microsoft.com/office/drawing/2017/decorative" val="1"/>
+              </a:ext>
+            </a:extLst>
+          </p:cNvPr>
+          <p:cNvSpPr>
+            <a:spLocks noGrp="1" noRot="1" noChangeAspect="1" noMove="1" noResize="1" noEditPoints="1" noAdjustHandles="1" noChangeArrowheads="1" noChangeShapeType="1" noTextEdit="1"/>
+          </p:cNvSpPr>
+          <p:nvPr>
+            <p:extLst>
+              <p:ext uri="{386F3935-93C4-4BCD-93E2-E3B085C9AB24}">
+                <p16:designElem xmlns:p16="http://schemas.microsoft.com/office/powerpoint/2015/main" val="1"/>
+              </p:ext>
+            </p:extLst>
+          </p:nvPr>
+        </p:nvSpPr>
+        <p:spPr>
+          <a:xfrm rot="10800000" flipH="1">
+            <a:off x="11227971" y="0"/>
+            <a:ext cx="3402429" cy="1777004"/>
+          </a:xfrm>
+          <a:custGeom>
+            <a:avLst/>
+            <a:gdLst>
+              <a:gd name="connsiteX0" fmla="*/ 2835357 w 2835357"/>
+              <a:gd name="connsiteY0" fmla="*/ 1480837 h 1480837"/>
+              <a:gd name="connsiteX1" fmla="*/ 0 w 2835357"/>
+              <a:gd name="connsiteY1" fmla="*/ 1480837 h 1480837"/>
+              <a:gd name="connsiteX2" fmla="*/ 1552727 w 2835357"/>
+              <a:gd name="connsiteY2" fmla="*/ 0 h 1480837"/>
+              <a:gd name="connsiteX3" fmla="*/ 2835357 w 2835357"/>
+              <a:gd name="connsiteY3" fmla="*/ 1223245 h 1480837"/>
+            </a:gdLst>
+            <a:ahLst/>
+            <a:cxnLst>
+              <a:cxn ang="0">
+                <a:pos x="connsiteX0" y="connsiteY0"/>
+              </a:cxn>
+              <a:cxn ang="0">
+                <a:pos x="connsiteX1" y="connsiteY1"/>
+              </a:cxn>
+              <a:cxn ang="0">
+                <a:pos x="connsiteX2" y="connsiteY2"/>
+              </a:cxn>
+              <a:cxn ang="0">
+                <a:pos x="connsiteX3" y="connsiteY3"/>
+              </a:cxn>
+            </a:cxnLst>
+            <a:rect l="l" t="t" r="r" b="b"/>
+            <a:pathLst>
+              <a:path w="2835357" h="1480837">
+                <a:moveTo>
+                  <a:pt x="2835357" y="1480837"/>
+                </a:moveTo>
+                <a:lnTo>
+                  <a:pt x="0" y="1480837"/>
+                </a:lnTo>
+                <a:lnTo>
+                  <a:pt x="1552727" y="0"/>
+                </a:lnTo>
+                <a:lnTo>
+                  <a:pt x="2835357" y="1223245"/>
+                </a:lnTo>
+                <a:close/>
+              </a:path>
+            </a:pathLst>
+          </a:custGeom>
+          <a:solidFill>
+            <a:schemeClr val="accent4">
+              <a:alpha val="30000"/>
+            </a:schemeClr>
+          </a:solidFill>
+          <a:ln>
+            <a:noFill/>
+          </a:ln>
+        </p:spPr>
+        <p:style>
+          <a:lnRef idx="2">
+            <a:schemeClr val="accent1">
+              <a:shade val="50000"/>
+            </a:schemeClr>
+          </a:lnRef>
+          <a:fillRef idx="1">
+            <a:schemeClr val="accent1"/>
+          </a:fillRef>
+          <a:effectRef idx="0">
+            <a:schemeClr val="accent1"/>
+          </a:effectRef>
+          <a:fontRef idx="minor">
+            <a:schemeClr val="lt1"/>
+          </a:fontRef>
+        </p:style>
+        <p:txBody>
+          <a:bodyPr wrap="square" rtlCol="0" anchor="ctr">
+            <a:noAutofit/>
+          </a:bodyPr>
+          <a:lstStyle/>
+          <a:p>
+            <a:pPr algn="ctr"/>
+            <a:endParaRPr lang="en-US" dirty="0"/>
+          </a:p>
+        </p:txBody>
+      </p:sp>
+      <p:sp>
+        <p:nvSpPr>
+          <p:cNvPr id="17" name="Isosceles Triangle 16">
+            <a:extLst>
+              <a:ext uri="{FF2B5EF4-FFF2-40B4-BE49-F238E27FC236}">
+                <a16:creationId xmlns:a16="http://schemas.microsoft.com/office/drawing/2014/main" id="{FF9F2414-84E8-453E-B1F3-389FDE8192D9}"/>
+              </a:ext>
+              <a:ext uri="{C183D7F6-B498-43B3-948B-1728B52AA6E4}">
+                <adec:decorative xmlns:adec="http://schemas.microsoft.com/office/drawing/2017/decorative" val="1"/>
+              </a:ext>
+            </a:extLst>
+          </p:cNvPr>
+          <p:cNvSpPr>
+            <a:spLocks noGrp="1" noRot="1" noChangeAspect="1" noMove="1" noResize="1" noEditPoints="1" noAdjustHandles="1" noChangeArrowheads="1" noChangeShapeType="1" noTextEdit="1"/>
+          </p:cNvSpPr>
+          <p:nvPr>
+            <p:extLst>
+              <p:ext uri="{386F3935-93C4-4BCD-93E2-E3B085C9AB24}">
+                <p16:designElem xmlns:p16="http://schemas.microsoft.com/office/powerpoint/2015/main" val="1"/>
+              </p:ext>
+            </p:extLst>
+          </p:nvPr>
+        </p:nvSpPr>
+        <p:spPr>
+          <a:xfrm flipH="1">
+            <a:off x="9571612" y="7338601"/>
+            <a:ext cx="1793416" cy="890999"/>
+          </a:xfrm>
+          <a:prstGeom prst="triangle">
+            <a:avLst/>
+          </a:prstGeom>
+          <a:solidFill>
+            <a:schemeClr val="accent1">
+              <a:alpha val="30000"/>
+            </a:schemeClr>
+          </a:solidFill>
+          <a:ln>
+            <a:noFill/>
+          </a:ln>
+        </p:spPr>
+        <p:style>
+          <a:lnRef idx="2">
+            <a:schemeClr val="accent1">
+              <a:shade val="50000"/>
+            </a:schemeClr>
+          </a:lnRef>
+          <a:fillRef idx="1">
+            <a:schemeClr val="accent1"/>
+          </a:fillRef>
+          <a:effectRef idx="0">
+            <a:schemeClr val="accent1"/>
+          </a:effectRef>
+          <a:fontRef idx="minor">
+            <a:schemeClr val="lt1"/>
+          </a:fontRef>
+        </p:style>
+        <p:txBody>
+          <a:bodyPr rtlCol="0" anchor="ctr"/>
+          <a:lstStyle/>
+          <a:p>
+            <a:pPr algn="ctr"/>
+            <a:endParaRPr lang="en-US"/>
+          </a:p>
+        </p:txBody>
+      </p:sp>
+      <p:pic>
+        <p:nvPicPr>
+          <p:cNvPr id="2" name="Picture 1" descr="A close up of colorful letters&#10;&#10;AI-generated content may be incorrect.">
+            <a:extLst>
+              <a:ext uri="{FF2B5EF4-FFF2-40B4-BE49-F238E27FC236}">
+                <a16:creationId xmlns:a16="http://schemas.microsoft.com/office/drawing/2014/main" id="{46B0B597-0ECA-F8ED-D89E-3F145BF2E666}"/>
+              </a:ext>
+            </a:extLst>
+          </p:cNvPr>
+          <p:cNvPicPr>
+            <a:picLocks noChangeAspect="1"/>
+          </p:cNvPicPr>
+          <p:nvPr/>
+        </p:nvPicPr>
+        <p:blipFill>
+          <a:blip r:embed="rId2"/>
+          <a:stretch>
+            <a:fillRect/>
+          </a:stretch>
+        </p:blipFill>
+        <p:spPr>
+          <a:xfrm>
+            <a:off x="2858347" y="772160"/>
+            <a:ext cx="8913704" cy="6685278"/>
+          </a:xfrm>
+          <a:prstGeom prst="rect">
+            <a:avLst/>
+          </a:prstGeom>
+          <a:ln>
+            <a:noFill/>
+          </a:ln>
+        </p:spPr>
+      </p:pic>
+      <p:sp>
+        <p:nvSpPr>
+          <p:cNvPr id="19" name="Isosceles Triangle 18">
+            <a:extLst>
+              <a:ext uri="{FF2B5EF4-FFF2-40B4-BE49-F238E27FC236}">
+                <a16:creationId xmlns:a16="http://schemas.microsoft.com/office/drawing/2014/main" id="{3ECA69A1-7536-43AC-85EF-C7106179F5ED}"/>
+              </a:ext>
+              <a:ext uri="{C183D7F6-B498-43B3-948B-1728B52AA6E4}">
+                <adec:decorative xmlns:adec="http://schemas.microsoft.com/office/drawing/2017/decorative" val="1"/>
+              </a:ext>
+            </a:extLst>
+          </p:cNvPr>
+          <p:cNvSpPr>
+            <a:spLocks noGrp="1" noRot="1" noChangeAspect="1" noMove="1" noResize="1" noEditPoints="1" noAdjustHandles="1" noChangeArrowheads="1" noChangeShapeType="1" noTextEdit="1"/>
+          </p:cNvSpPr>
+          <p:nvPr>
+            <p:extLst>
+              <p:ext uri="{386F3935-93C4-4BCD-93E2-E3B085C9AB24}">
+                <p16:designElem xmlns:p16="http://schemas.microsoft.com/office/powerpoint/2015/main" val="1"/>
+              </p:ext>
+            </p:extLst>
+          </p:nvPr>
+        </p:nvSpPr>
+        <p:spPr>
+          <a:xfrm flipH="1">
+            <a:off x="9124896" y="7743771"/>
+            <a:ext cx="977883" cy="485829"/>
+          </a:xfrm>
+          <a:prstGeom prst="triangle">
+            <a:avLst/>
+          </a:prstGeom>
+          <a:solidFill>
+            <a:schemeClr val="accent1">
+              <a:alpha val="30000"/>
+            </a:schemeClr>
+          </a:solidFill>
+          <a:ln>
+            <a:noFill/>
+          </a:ln>
+        </p:spPr>
+        <p:style>
+          <a:lnRef idx="2">
+            <a:schemeClr val="accent1">
+              <a:shade val="50000"/>
+            </a:schemeClr>
+          </a:lnRef>
+          <a:fillRef idx="1">
+            <a:schemeClr val="accent1"/>
+          </a:fillRef>
+          <a:effectRef idx="0">
+            <a:schemeClr val="accent1"/>
+          </a:effectRef>
+          <a:fontRef idx="minor">
+            <a:schemeClr val="lt1"/>
+          </a:fontRef>
+        </p:style>
+        <p:txBody>
+          <a:bodyPr rtlCol="0" anchor="ctr"/>
+          <a:lstStyle/>
+          <a:p>
+            <a:pPr algn="ctr"/>
+            <a:endParaRPr lang="en-US"/>
+          </a:p>
+        </p:txBody>
+      </p:sp>
+    </p:spTree>
+    <p:extLst>
+      <p:ext uri="{BB962C8B-B14F-4D97-AF65-F5344CB8AC3E}">
+        <p14:creationId xmlns:p14="http://schemas.microsoft.com/office/powerpoint/2010/main" val="575995219"/>
+      </p:ext>
+    </p:extLst>
+  </p:cSld>
+  <p:clrMapOvr>
+    <a:masterClrMapping/>
+  </p:clrMapOvr>
+</p:sld>
+</file>
+
 <file path=ppt/slides/slide2.xml><?xml version="1.0" encoding="utf-8"?>
 <p:sld xmlns:a="http://schemas.openxmlformats.org/drawingml/2006/main" xmlns:r="http://schemas.openxmlformats.org/officeDocument/2006/relationships" xmlns:p="http://schemas.openxmlformats.org/presentationml/2006/main">
   <p:cSld name="Slide 2">
@@ -3626,7 +4442,7 @@
         <p:spPr>
           <a:xfrm>
             <a:off x="7599521" y="4578310"/>
-            <a:ext cx="3778912" cy="1061545"/>
+            <a:ext cx="3470688" cy="1061545"/>
           </a:xfrm>
           <a:prstGeom prst="rect">
             <a:avLst/>
@@ -4082,8 +4898,8 @@
         </p:nvSpPr>
         <p:spPr>
           <a:xfrm>
-            <a:off x="1417439" y="6132630"/>
-            <a:ext cx="2673059" cy="669812"/>
+            <a:off x="1417439" y="6122356"/>
+            <a:ext cx="2673059" cy="1717775"/>
           </a:xfrm>
           <a:prstGeom prst="rect">
             <a:avLst/>
@@ -4207,7 +5023,7 @@
         </p:nvSpPr>
         <p:spPr>
           <a:xfrm>
-            <a:off x="5099197" y="6080071"/>
+            <a:off x="5304680" y="6080071"/>
             <a:ext cx="3452116" cy="907941"/>
           </a:xfrm>
           <a:prstGeom prst="rect">
@@ -6605,76 +7421,6 @@
           </a:prstGeom>
         </p:spPr>
       </p:pic>
-      <p:pic>
-        <p:nvPicPr>
-          <p:cNvPr id="9" name="Picture 8" descr="A close up of colorful letters&#10;&#10;AI-generated content may be incorrect.">
-            <a:extLst>
-              <a:ext uri="{FF2B5EF4-FFF2-40B4-BE49-F238E27FC236}">
-                <a16:creationId xmlns:a16="http://schemas.microsoft.com/office/drawing/2014/main" id="{2C971398-109C-5987-5CC4-E26C49176C2B}"/>
-              </a:ext>
-            </a:extLst>
-          </p:cNvPr>
-          <p:cNvPicPr>
-            <a:picLocks noChangeAspect="1"/>
-          </p:cNvPicPr>
-          <p:nvPr/>
-        </p:nvPicPr>
-        <p:blipFill>
-          <a:blip r:embed="rId4">
-            <a:extLst>
-              <a:ext uri="{837473B0-CC2E-450A-ABE3-18F120FF3D39}">
-                <a1611:picAttrSrcUrl xmlns:a1611="http://schemas.microsoft.com/office/drawing/2016/11/main" r:id="rId5"/>
-              </a:ext>
-            </a:extLst>
-          </a:blip>
-          <a:stretch>
-            <a:fillRect/>
-          </a:stretch>
-        </p:blipFill>
-        <p:spPr>
-          <a:xfrm>
-            <a:off x="9137836" y="3021116"/>
-            <a:ext cx="5077488" cy="3831233"/>
-          </a:xfrm>
-          <a:prstGeom prst="rect">
-            <a:avLst/>
-          </a:prstGeom>
-        </p:spPr>
-      </p:pic>
-      <p:sp>
-        <p:nvSpPr>
-          <p:cNvPr id="10" name="TextBox 9">
-            <a:extLst>
-              <a:ext uri="{FF2B5EF4-FFF2-40B4-BE49-F238E27FC236}">
-                <a16:creationId xmlns:a16="http://schemas.microsoft.com/office/drawing/2014/main" id="{03AD397E-F437-3660-F965-7E51DCB05384}"/>
-              </a:ext>
-            </a:extLst>
-          </p:cNvPr>
-          <p:cNvSpPr txBox="1"/>
-          <p:nvPr/>
-        </p:nvSpPr>
-        <p:spPr>
-          <a:xfrm>
-            <a:off x="9138470" y="6852666"/>
-            <a:ext cx="3596740" cy="564079"/>
-          </a:xfrm>
-          <a:prstGeom prst="rect">
-            <a:avLst/>
-          </a:prstGeom>
-        </p:spPr>
-        <p:txBody>
-          <a:bodyPr>
-            <a:normAutofit fontScale="92500" lnSpcReduction="10000"/>
-          </a:bodyPr>
-          <a:lstStyle/>
-          <a:p>
-            <a:r>
-              <a:rPr lang="en-US"/>
-              <a:t>ThePhoto by PhotoAuthor is licensed under CCYYSA.</a:t>
-            </a:r>
-          </a:p>
-        </p:txBody>
-      </p:sp>
     </p:spTree>
   </p:cSld>
   <p:clrMapOvr>
